--- a/apresentacao/Projeto Individual.pptx
+++ b/apresentacao/Projeto Individual.pptx
@@ -5,18 +5,19 @@
     <p:sldMasterId id="2147483720" r:id="rId4"/>
   </p:sldMasterIdLst>
   <p:notesMasterIdLst>
-    <p:notesMasterId r:id="rId11"/>
+    <p:notesMasterId r:id="rId12"/>
   </p:notesMasterIdLst>
   <p:handoutMasterIdLst>
-    <p:handoutMasterId r:id="rId12"/>
+    <p:handoutMasterId r:id="rId13"/>
   </p:handoutMasterIdLst>
   <p:sldIdLst>
     <p:sldId id="281" r:id="rId5"/>
     <p:sldId id="355" r:id="rId6"/>
-    <p:sldId id="354" r:id="rId7"/>
-    <p:sldId id="353" r:id="rId8"/>
-    <p:sldId id="283" r:id="rId9"/>
-    <p:sldId id="356" r:id="rId10"/>
+    <p:sldId id="358" r:id="rId7"/>
+    <p:sldId id="283" r:id="rId8"/>
+    <p:sldId id="353" r:id="rId9"/>
+    <p:sldId id="354" r:id="rId10"/>
+    <p:sldId id="356" r:id="rId11"/>
   </p:sldIdLst>
   <p:sldSz cx="12192000" cy="6858000"/>
   <p:notesSz cx="6858000" cy="9144000"/>
@@ -244,7 +245,7 @@
             <a:pPr rtl="0"/>
             <a:fld id="{A2D0F6F2-A277-4DB2-B78A-B20601D4CE50}" type="datetime1">
               <a:rPr lang="pt-BR" smtClean="0"/>
-              <a:t>28/11/2022</a:t>
+              <a:t>30/11/2022</a:t>
             </a:fld>
             <a:endParaRPr lang="pt-BR" dirty="0"/>
           </a:p>
@@ -426,7 +427,7 @@
             <a:fld id="{0C4AB883-099A-417B-9D0B-82E8D6B879E6}" type="datetime1">
               <a:rPr lang="pt-BR" smtClean="0"/>
               <a:pPr/>
-              <a:t>28/11/2022</a:t>
+              <a:t>30/11/2022</a:t>
             </a:fld>
             <a:endParaRPr lang="pt-BR" dirty="0"/>
           </a:p>
@@ -973,7 +974,7 @@
     </p:spTree>
     <p:extLst>
       <p:ext uri="{BB962C8B-B14F-4D97-AF65-F5344CB8AC3E}">
-        <p14:creationId xmlns:p14="http://schemas.microsoft.com/office/powerpoint/2010/main" val="498289578"/>
+        <p14:creationId xmlns:p14="http://schemas.microsoft.com/office/powerpoint/2010/main" val="4289342060"/>
       </p:ext>
     </p:extLst>
   </p:cSld>
@@ -1058,7 +1059,7 @@
     </p:spTree>
     <p:extLst>
       <p:ext uri="{BB962C8B-B14F-4D97-AF65-F5344CB8AC3E}">
-        <p14:creationId xmlns:p14="http://schemas.microsoft.com/office/powerpoint/2010/main" val="2580897212"/>
+        <p14:creationId xmlns:p14="http://schemas.microsoft.com/office/powerpoint/2010/main" val="1592567434"/>
       </p:ext>
     </p:extLst>
   </p:cSld>
@@ -1143,7 +1144,7 @@
     </p:spTree>
     <p:extLst>
       <p:ext uri="{BB962C8B-B14F-4D97-AF65-F5344CB8AC3E}">
-        <p14:creationId xmlns:p14="http://schemas.microsoft.com/office/powerpoint/2010/main" val="1592567434"/>
+        <p14:creationId xmlns:p14="http://schemas.microsoft.com/office/powerpoint/2010/main" val="2580897212"/>
       </p:ext>
     </p:extLst>
   </p:cSld>
@@ -1220,6 +1221,91 @@
             <a:fld id="{BCFAAAB6-A2C6-4A85-A3A1-98EFBA61C967}" type="slidenum">
               <a:rPr lang="pt-BR" smtClean="0"/>
               <a:t>6</a:t>
+            </a:fld>
+            <a:endParaRPr lang="pt-BR"/>
+          </a:p>
+        </p:txBody>
+      </p:sp>
+    </p:spTree>
+    <p:extLst>
+      <p:ext uri="{BB962C8B-B14F-4D97-AF65-F5344CB8AC3E}">
+        <p14:creationId xmlns:p14="http://schemas.microsoft.com/office/powerpoint/2010/main" val="498289578"/>
+      </p:ext>
+    </p:extLst>
+  </p:cSld>
+  <p:clrMapOvr>
+    <a:masterClrMapping/>
+  </p:clrMapOvr>
+</p:notes>
+</file>
+
+<file path=ppt/notesSlides/notesSlide7.xml><?xml version="1.0" encoding="utf-8"?>
+<p:notes xmlns:a="http://schemas.openxmlformats.org/drawingml/2006/main" xmlns:r="http://schemas.openxmlformats.org/officeDocument/2006/relationships" xmlns:p="http://schemas.openxmlformats.org/presentationml/2006/main">
+  <p:cSld>
+    <p:spTree>
+      <p:nvGrpSpPr>
+        <p:cNvPr id="1" name=""/>
+        <p:cNvGrpSpPr/>
+        <p:nvPr/>
+      </p:nvGrpSpPr>
+      <p:grpSpPr>
+        <a:xfrm>
+          <a:off x="0" y="0"/>
+          <a:ext cx="0" cy="0"/>
+          <a:chOff x="0" y="0"/>
+          <a:chExt cx="0" cy="0"/>
+        </a:xfrm>
+      </p:grpSpPr>
+      <p:sp>
+        <p:nvSpPr>
+          <p:cNvPr id="2" name="Espaço Reservado para Imagem de Slide 1"/>
+          <p:cNvSpPr>
+            <a:spLocks noGrp="1" noRot="1" noChangeAspect="1"/>
+          </p:cNvSpPr>
+          <p:nvPr>
+            <p:ph type="sldImg"/>
+          </p:nvPr>
+        </p:nvSpPr>
+        <p:spPr/>
+      </p:sp>
+      <p:sp>
+        <p:nvSpPr>
+          <p:cNvPr id="3" name="Espaço Reservado para Anotações 2"/>
+          <p:cNvSpPr>
+            <a:spLocks noGrp="1"/>
+          </p:cNvSpPr>
+          <p:nvPr>
+            <p:ph type="body" idx="1"/>
+          </p:nvPr>
+        </p:nvSpPr>
+        <p:spPr/>
+        <p:txBody>
+          <a:bodyPr/>
+          <a:lstStyle/>
+          <a:p>
+            <a:endParaRPr lang="pt-BR"/>
+          </a:p>
+        </p:txBody>
+      </p:sp>
+      <p:sp>
+        <p:nvSpPr>
+          <p:cNvPr id="4" name="Espaço Reservado para Número de Slide 3"/>
+          <p:cNvSpPr>
+            <a:spLocks noGrp="1"/>
+          </p:cNvSpPr>
+          <p:nvPr>
+            <p:ph type="sldNum" sz="quarter" idx="5"/>
+          </p:nvPr>
+        </p:nvSpPr>
+        <p:spPr/>
+        <p:txBody>
+          <a:bodyPr/>
+          <a:lstStyle/>
+          <a:p>
+            <a:pPr rtl="0"/>
+            <a:fld id="{BCFAAAB6-A2C6-4A85-A3A1-98EFBA61C967}" type="slidenum">
+              <a:rPr lang="pt-BR" smtClean="0"/>
+              <a:t>7</a:t>
             </a:fld>
             <a:endParaRPr lang="pt-BR"/>
           </a:p>
@@ -9599,7 +9685,7 @@
         <p:spPr/>
         <p:txBody>
           <a:bodyPr rtlCol="0">
-            <a:normAutofit/>
+            <a:normAutofit fontScale="92500"/>
           </a:bodyPr>
           <a:lstStyle/>
           <a:p>
@@ -9617,7 +9703,17 @@
               <a:buFont typeface="Arial" panose="020B0604020202020204" pitchFamily="34" charset="0"/>
               <a:buChar char="•"/>
             </a:pPr>
-            <a:endParaRPr lang="pt-BR" sz="3200" dirty="0"/>
+            <a:r>
+              <a:rPr lang="pt-BR" sz="3200" dirty="0"/>
+              <a:t>Em que momento </a:t>
+            </a:r>
+          </a:p>
+          <a:p>
+            <a:pPr marL="0" indent="0" rtl="0"/>
+            <a:r>
+              <a:rPr lang="pt-BR" sz="3200" dirty="0"/>
+              <a:t>	este tema despertou;</a:t>
+            </a:r>
           </a:p>
           <a:p>
             <a:pPr marL="457200" indent="-457200" rtl="0">
@@ -9626,15 +9722,12 @@
             </a:pPr>
             <a:r>
               <a:rPr lang="pt-BR" sz="3200" dirty="0"/>
-              <a:t>Em que momento </a:t>
+              <a:t>Como esta inserido no dia-a-dia</a:t>
             </a:r>
           </a:p>
           <a:p>
             <a:pPr marL="0" indent="0" rtl="0"/>
-            <a:r>
-              <a:rPr lang="pt-BR" sz="3200" dirty="0"/>
-              <a:t>     este tema despertou;</a:t>
-            </a:r>
+            <a:endParaRPr lang="pt-BR" sz="3200" dirty="0"/>
           </a:p>
         </p:txBody>
       </p:sp>
@@ -9733,7 +9826,7 @@
           <p:cNvPr id="2" name="Título 1">
             <a:extLst>
               <a:ext uri="{FF2B5EF4-FFF2-40B4-BE49-F238E27FC236}">
-                <a16:creationId xmlns:a16="http://schemas.microsoft.com/office/drawing/2014/main" id="{A9501C14-7F4D-4D43-AB31-14E1B4AA1C63}"/>
+                <a16:creationId xmlns:a16="http://schemas.microsoft.com/office/drawing/2014/main" id="{A5E209E4-B947-4446-AD42-C1B3A0C1F583}"/>
               </a:ext>
             </a:extLst>
           </p:cNvPr>
@@ -9745,192 +9838,117 @@
           </p:nvPr>
         </p:nvSpPr>
         <p:spPr/>
+        <p:txBody>
+          <a:bodyPr rtlCol="0"/>
+          <a:lstStyle/>
+          <a:p>
+            <a:pPr rtl="0"/>
+            <a:r>
+              <a:rPr lang="en-US" i="1" dirty="0"/>
+              <a:t>Socioemocional</a:t>
+            </a:r>
+            <a:endParaRPr lang="pt-BR" i="1" dirty="0"/>
+          </a:p>
+        </p:txBody>
+      </p:sp>
+      <p:sp>
+        <p:nvSpPr>
+          <p:cNvPr id="10" name="Espaço Reservado para o Número do Slide 5">
+            <a:extLst>
+              <a:ext uri="{FF2B5EF4-FFF2-40B4-BE49-F238E27FC236}">
+                <a16:creationId xmlns:a16="http://schemas.microsoft.com/office/drawing/2014/main" id="{4E797B30-1740-4A68-A40B-1D255EBC2F17}"/>
+              </a:ext>
+            </a:extLst>
+          </p:cNvPr>
+          <p:cNvSpPr>
+            <a:spLocks noGrp="1"/>
+          </p:cNvSpPr>
+          <p:nvPr>
+            <p:ph type="sldNum" sz="quarter" idx="12"/>
+          </p:nvPr>
+        </p:nvSpPr>
+        <p:spPr/>
+        <p:txBody>
+          <a:bodyPr rtlCol="0"/>
+          <a:lstStyle/>
+          <a:p>
+            <a:pPr rtl="0"/>
+            <a:fld id="{A65A5C87-DF58-40C8-B092-1DE63DB4547E}" type="slidenum">
+              <a:rPr lang="pt-BR" smtClean="0"/>
+              <a:pPr rtl="0"/>
+              <a:t>3</a:t>
+            </a:fld>
+            <a:endParaRPr lang="pt-BR" dirty="0"/>
+          </a:p>
+        </p:txBody>
+      </p:sp>
+      <p:sp>
+        <p:nvSpPr>
+          <p:cNvPr id="3" name="Espaço Reservado para Conteúdo 2">
+            <a:extLst>
+              <a:ext uri="{FF2B5EF4-FFF2-40B4-BE49-F238E27FC236}">
+                <a16:creationId xmlns:a16="http://schemas.microsoft.com/office/drawing/2014/main" id="{249A51DB-0EBA-3387-51EA-727E9ACC198B}"/>
+              </a:ext>
+            </a:extLst>
+          </p:cNvPr>
+          <p:cNvSpPr>
+            <a:spLocks noGrp="1"/>
+          </p:cNvSpPr>
+          <p:nvPr>
+            <p:ph idx="1"/>
+          </p:nvPr>
+        </p:nvSpPr>
+        <p:spPr>
+          <a:xfrm>
+            <a:off x="578325" y="2304289"/>
+            <a:ext cx="6272784" cy="2825496"/>
+          </a:xfrm>
+        </p:spPr>
         <p:txBody>
           <a:bodyPr rtlCol="0">
             <a:normAutofit/>
           </a:bodyPr>
           <a:lstStyle/>
           <a:p>
-            <a:pPr rtl="0"/>
-            <a:r>
-              <a:rPr lang="en-US" i="1" dirty="0"/>
-              <a:t>Planejamento e Documentação</a:t>
-            </a:r>
-            <a:endParaRPr lang="pt-BR" i="1" dirty="0"/>
-          </a:p>
-        </p:txBody>
-      </p:sp>
-      <p:pic>
-        <p:nvPicPr>
-          <p:cNvPr id="27" name="Espaço Reservado para Imagem 26" descr="anotações de post-it">
-            <a:extLst>
-              <a:ext uri="{FF2B5EF4-FFF2-40B4-BE49-F238E27FC236}">
-                <a16:creationId xmlns:a16="http://schemas.microsoft.com/office/drawing/2014/main" id="{778123A3-1887-4297-BB48-CD597C4677B3}"/>
-              </a:ext>
-            </a:extLst>
-          </p:cNvPr>
-          <p:cNvPicPr>
-            <a:picLocks noGrp="1" noChangeAspect="1"/>
-          </p:cNvPicPr>
-          <p:nvPr>
-            <p:ph type="pic" sz="quarter" idx="13"/>
-          </p:nvPr>
-        </p:nvPicPr>
-        <p:blipFill rotWithShape="1">
-          <a:blip r:embed="rId3"/>
-          <a:srcRect t="168" b="168"/>
-          <a:stretch/>
-        </p:blipFill>
-        <p:spPr/>
-      </p:pic>
-      <p:pic>
-        <p:nvPicPr>
-          <p:cNvPr id="18" name="Espaço Reservado para Imagem 17" descr="Mulher apontando para algo enquanto três pessoas olham">
-            <a:extLst>
-              <a:ext uri="{FF2B5EF4-FFF2-40B4-BE49-F238E27FC236}">
-                <a16:creationId xmlns:a16="http://schemas.microsoft.com/office/drawing/2014/main" id="{1A615CC8-9DF3-484C-8E7E-BA035F939002}"/>
-              </a:ext>
-            </a:extLst>
-          </p:cNvPr>
-          <p:cNvPicPr>
-            <a:picLocks noGrp="1" noChangeAspect="1"/>
-          </p:cNvPicPr>
-          <p:nvPr>
-            <p:ph type="pic" sz="quarter" idx="14"/>
-          </p:nvPr>
-        </p:nvPicPr>
-        <p:blipFill rotWithShape="1">
-          <a:blip r:embed="rId4"/>
-          <a:srcRect l="2" r="2"/>
-          <a:stretch/>
-        </p:blipFill>
-        <p:spPr/>
-      </p:pic>
-      <p:sp>
-        <p:nvSpPr>
-          <p:cNvPr id="4" name="Espaço Reservado para o Número do Slide 3">
-            <a:extLst>
-              <a:ext uri="{FF2B5EF4-FFF2-40B4-BE49-F238E27FC236}">
-                <a16:creationId xmlns:a16="http://schemas.microsoft.com/office/drawing/2014/main" id="{30C59246-61F9-4344-994B-CAC75B954C24}"/>
-              </a:ext>
-            </a:extLst>
-          </p:cNvPr>
-          <p:cNvSpPr>
-            <a:spLocks noGrp="1"/>
-          </p:cNvSpPr>
-          <p:nvPr>
-            <p:ph type="sldNum" sz="quarter" idx="12"/>
-          </p:nvPr>
-        </p:nvSpPr>
-        <p:spPr/>
-        <p:txBody>
-          <a:bodyPr rtlCol="0"/>
-          <a:lstStyle/>
-          <a:p>
-            <a:pPr rtl="0"/>
-            <a:fld id="{A65A5C87-DF58-40C8-B092-1DE63DB4547E}" type="slidenum">
-              <a:rPr lang="pt-BR" smtClean="0"/>
-              <a:pPr/>
-              <a:t>3</a:t>
-            </a:fld>
-            <a:endParaRPr lang="pt-BR"/>
-          </a:p>
-        </p:txBody>
-      </p:sp>
-      <p:pic>
-        <p:nvPicPr>
-          <p:cNvPr id="6" name="Imagem 5" descr="Desenho de homem com barba&#10;&#10;Descrição gerada automaticamente com confiança baixa">
-            <a:extLst>
-              <a:ext uri="{FF2B5EF4-FFF2-40B4-BE49-F238E27FC236}">
-                <a16:creationId xmlns:a16="http://schemas.microsoft.com/office/drawing/2014/main" id="{1152A16A-9D1F-4B86-41E3-7F47B0E9E82A}"/>
-              </a:ext>
-            </a:extLst>
-          </p:cNvPr>
-          <p:cNvPicPr>
-            <a:picLocks noChangeAspect="1"/>
-          </p:cNvPicPr>
-          <p:nvPr/>
-        </p:nvPicPr>
-        <p:blipFill>
-          <a:blip r:embed="rId5"/>
-          <a:stretch>
-            <a:fillRect/>
-          </a:stretch>
-        </p:blipFill>
-        <p:spPr>
-          <a:xfrm>
-            <a:off x="7680960" y="-1634075"/>
-            <a:ext cx="4563410" cy="8597179"/>
-          </a:xfrm>
-          <a:prstGeom prst="rect">
-            <a:avLst/>
-          </a:prstGeom>
-        </p:spPr>
-      </p:pic>
-      <p:pic>
-        <p:nvPicPr>
-          <p:cNvPr id="14" name="Imagem 13">
-            <a:extLst>
-              <a:ext uri="{FF2B5EF4-FFF2-40B4-BE49-F238E27FC236}">
-                <a16:creationId xmlns:a16="http://schemas.microsoft.com/office/drawing/2014/main" id="{9C2CD4DE-59F0-85BD-88D6-2F96C8727669}"/>
-              </a:ext>
-            </a:extLst>
-          </p:cNvPr>
-          <p:cNvPicPr>
-            <a:picLocks noChangeAspect="1"/>
-          </p:cNvPicPr>
-          <p:nvPr/>
-        </p:nvPicPr>
-        <p:blipFill>
-          <a:blip r:embed="rId6"/>
-          <a:stretch>
-            <a:fillRect/>
-          </a:stretch>
-        </p:blipFill>
-        <p:spPr>
-          <a:xfrm>
-            <a:off x="612648" y="3121081"/>
-            <a:ext cx="5034551" cy="3600394"/>
-          </a:xfrm>
-          <a:prstGeom prst="rect">
-            <a:avLst/>
-          </a:prstGeom>
-        </p:spPr>
-      </p:pic>
-      <p:pic>
-        <p:nvPicPr>
-          <p:cNvPr id="10" name="Imagem 9" descr="Ícone&#10;&#10;Descrição gerada automaticamente">
-            <a:extLst>
-              <a:ext uri="{FF2B5EF4-FFF2-40B4-BE49-F238E27FC236}">
-                <a16:creationId xmlns:a16="http://schemas.microsoft.com/office/drawing/2014/main" id="{CE7DE10F-C198-B051-2974-E0766F9F76A9}"/>
-              </a:ext>
-            </a:extLst>
-          </p:cNvPr>
-          <p:cNvPicPr>
-            <a:picLocks noChangeAspect="1"/>
-          </p:cNvPicPr>
-          <p:nvPr/>
-        </p:nvPicPr>
-        <p:blipFill>
-          <a:blip r:embed="rId7"/>
-          <a:stretch>
-            <a:fillRect/>
-          </a:stretch>
-        </p:blipFill>
-        <p:spPr>
-          <a:xfrm>
-            <a:off x="4858989" y="3824010"/>
-            <a:ext cx="2026443" cy="2026443"/>
-          </a:xfrm>
-          <a:prstGeom prst="rect">
-            <a:avLst/>
-          </a:prstGeom>
-        </p:spPr>
-      </p:pic>
+            <a:pPr marL="457200" indent="-457200" rtl="0">
+              <a:buFont typeface="Arial" panose="020B0604020202020204" pitchFamily="34" charset="0"/>
+              <a:buChar char="•"/>
+            </a:pPr>
+            <a:r>
+              <a:rPr lang="pt-BR" sz="3200" dirty="0"/>
+              <a:t>Desafio;</a:t>
+            </a:r>
+          </a:p>
+          <a:p>
+            <a:pPr marL="457200" indent="-457200" rtl="0">
+              <a:buFont typeface="Arial" panose="020B0604020202020204" pitchFamily="34" charset="0"/>
+              <a:buChar char="•"/>
+            </a:pPr>
+            <a:r>
+              <a:rPr lang="pt-BR" sz="3200" dirty="0"/>
+              <a:t>Superação;</a:t>
+            </a:r>
+          </a:p>
+          <a:p>
+            <a:pPr marL="457200" indent="-457200"/>
+            <a:r>
+              <a:rPr lang="pt-BR" sz="3200" dirty="0"/>
+              <a:t>Valores;</a:t>
+            </a:r>
+          </a:p>
+          <a:p>
+            <a:pPr marL="457200" indent="-457200" rtl="0">
+              <a:buFont typeface="Arial" panose="020B0604020202020204" pitchFamily="34" charset="0"/>
+              <a:buChar char="•"/>
+            </a:pPr>
+            <a:endParaRPr lang="pt-BR" sz="3200" dirty="0"/>
+          </a:p>
+        </p:txBody>
+      </p:sp>
     </p:spTree>
     <p:extLst>
       <p:ext uri="{BB962C8B-B14F-4D97-AF65-F5344CB8AC3E}">
-        <p14:creationId xmlns:p14="http://schemas.microsoft.com/office/powerpoint/2010/main" val="1471384650"/>
+        <p14:creationId xmlns:p14="http://schemas.microsoft.com/office/powerpoint/2010/main" val="2576222172"/>
       </p:ext>
     </p:extLst>
   </p:cSld>
@@ -9962,7 +9980,7 @@
           <p:cNvPr id="2" name="Título 1">
             <a:extLst>
               <a:ext uri="{FF2B5EF4-FFF2-40B4-BE49-F238E27FC236}">
-                <a16:creationId xmlns:a16="http://schemas.microsoft.com/office/drawing/2014/main" id="{626D3A99-BC9D-4DC2-BE1B-9E2C93EDD294}"/>
+                <a16:creationId xmlns:a16="http://schemas.microsoft.com/office/drawing/2014/main" id="{A5E209E4-B947-4446-AD42-C1B3A0C1F583}"/>
               </a:ext>
             </a:extLst>
           </p:cNvPr>
@@ -9973,12 +9991,7 @@
             <p:ph type="title"/>
           </p:nvPr>
         </p:nvSpPr>
-        <p:spPr>
-          <a:xfrm>
-            <a:off x="1078992" y="1938528"/>
-            <a:ext cx="6250063" cy="2990088"/>
-          </a:xfrm>
-        </p:spPr>
+        <p:spPr/>
         <p:txBody>
           <a:bodyPr rtlCol="0"/>
           <a:lstStyle/>
@@ -9986,18 +9999,49 @@
             <a:pPr rtl="0"/>
             <a:r>
               <a:rPr lang="en-US" i="1" dirty="0"/>
-              <a:t>Banco de Dados</a:t>
+              <a:t>Demonstração do Site e GitHub</a:t>
             </a:r>
             <a:endParaRPr lang="pt-BR" i="1" dirty="0"/>
+          </a:p>
+        </p:txBody>
+      </p:sp>
+      <p:sp>
+        <p:nvSpPr>
+          <p:cNvPr id="10" name="Espaço Reservado para o Número do Slide 5">
+            <a:extLst>
+              <a:ext uri="{FF2B5EF4-FFF2-40B4-BE49-F238E27FC236}">
+                <a16:creationId xmlns:a16="http://schemas.microsoft.com/office/drawing/2014/main" id="{4E797B30-1740-4A68-A40B-1D255EBC2F17}"/>
+              </a:ext>
+            </a:extLst>
+          </p:cNvPr>
+          <p:cNvSpPr>
+            <a:spLocks noGrp="1"/>
+          </p:cNvSpPr>
+          <p:nvPr>
+            <p:ph type="sldNum" sz="quarter" idx="12"/>
+          </p:nvPr>
+        </p:nvSpPr>
+        <p:spPr/>
+        <p:txBody>
+          <a:bodyPr rtlCol="0"/>
+          <a:lstStyle/>
+          <a:p>
+            <a:pPr rtl="0"/>
+            <a:fld id="{A65A5C87-DF58-40C8-B092-1DE63DB4547E}" type="slidenum">
+              <a:rPr lang="pt-BR" smtClean="0"/>
+              <a:pPr rtl="0"/>
+              <a:t>4</a:t>
+            </a:fld>
+            <a:endParaRPr lang="pt-BR" dirty="0"/>
           </a:p>
         </p:txBody>
       </p:sp>
       <p:pic>
         <p:nvPicPr>
-          <p:cNvPr id="11" name="Imagem 10" descr="Forma&#10;&#10;Descrição gerada automaticamente com confiança baixa">
-            <a:extLst>
-              <a:ext uri="{FF2B5EF4-FFF2-40B4-BE49-F238E27FC236}">
-                <a16:creationId xmlns:a16="http://schemas.microsoft.com/office/drawing/2014/main" id="{47882265-9F0B-F7F2-FA27-2DE24F1EE7DC}"/>
+          <p:cNvPr id="12" name="Imagem 11">
+            <a:extLst>
+              <a:ext uri="{FF2B5EF4-FFF2-40B4-BE49-F238E27FC236}">
+                <a16:creationId xmlns:a16="http://schemas.microsoft.com/office/drawing/2014/main" id="{26031DC3-B94E-AE0F-EA7C-D46F7D8432F4}"/>
               </a:ext>
             </a:extLst>
           </p:cNvPr>
@@ -10014,8 +10058,38 @@
         </p:blipFill>
         <p:spPr>
           <a:xfrm>
-            <a:off x="8441495" y="1839204"/>
-            <a:ext cx="3179592" cy="3179592"/>
+            <a:off x="2590801" y="2239133"/>
+            <a:ext cx="8922328" cy="4380150"/>
+          </a:xfrm>
+          <a:prstGeom prst="rect">
+            <a:avLst/>
+          </a:prstGeom>
+        </p:spPr>
+      </p:pic>
+      <p:pic>
+        <p:nvPicPr>
+          <p:cNvPr id="14" name="Imagem 13" descr="Forma&#10;&#10;Descrição gerada automaticamente com confiança baixa">
+            <a:extLst>
+              <a:ext uri="{FF2B5EF4-FFF2-40B4-BE49-F238E27FC236}">
+                <a16:creationId xmlns:a16="http://schemas.microsoft.com/office/drawing/2014/main" id="{A54AFFEA-77B3-A762-32E1-CDF9AEDD1B38}"/>
+              </a:ext>
+            </a:extLst>
+          </p:cNvPr>
+          <p:cNvPicPr>
+            <a:picLocks noChangeAspect="1"/>
+          </p:cNvPicPr>
+          <p:nvPr/>
+        </p:nvPicPr>
+        <p:blipFill>
+          <a:blip r:embed="rId4"/>
+          <a:stretch>
+            <a:fillRect/>
+          </a:stretch>
+        </p:blipFill>
+        <p:spPr>
+          <a:xfrm>
+            <a:off x="893895" y="3390729"/>
+            <a:ext cx="2076958" cy="2076958"/>
           </a:xfrm>
           <a:prstGeom prst="rect">
             <a:avLst/>
@@ -10025,7 +10099,7 @@
     </p:spTree>
     <p:extLst>
       <p:ext uri="{BB962C8B-B14F-4D97-AF65-F5344CB8AC3E}">
-        <p14:creationId xmlns:p14="http://schemas.microsoft.com/office/powerpoint/2010/main" val="2177544562"/>
+        <p14:creationId xmlns:p14="http://schemas.microsoft.com/office/powerpoint/2010/main" val="832742899"/>
       </p:ext>
     </p:extLst>
   </p:cSld>
@@ -10057,7 +10131,7 @@
           <p:cNvPr id="2" name="Título 1">
             <a:extLst>
               <a:ext uri="{FF2B5EF4-FFF2-40B4-BE49-F238E27FC236}">
-                <a16:creationId xmlns:a16="http://schemas.microsoft.com/office/drawing/2014/main" id="{A5E209E4-B947-4446-AD42-C1B3A0C1F583}"/>
+                <a16:creationId xmlns:a16="http://schemas.microsoft.com/office/drawing/2014/main" id="{626D3A99-BC9D-4DC2-BE1B-9E2C93EDD294}"/>
               </a:ext>
             </a:extLst>
           </p:cNvPr>
@@ -10068,7 +10142,12 @@
             <p:ph type="title"/>
           </p:nvPr>
         </p:nvSpPr>
-        <p:spPr/>
+        <p:spPr>
+          <a:xfrm>
+            <a:off x="1078992" y="1938528"/>
+            <a:ext cx="6250063" cy="2990088"/>
+          </a:xfrm>
+        </p:spPr>
         <p:txBody>
           <a:bodyPr rtlCol="0"/>
           <a:lstStyle/>
@@ -10076,49 +10155,18 @@
             <a:pPr rtl="0"/>
             <a:r>
               <a:rPr lang="en-US" i="1" dirty="0"/>
-              <a:t>Demonstração do Site e GitHub</a:t>
+              <a:t>Banco de Dados</a:t>
             </a:r>
             <a:endParaRPr lang="pt-BR" i="1" dirty="0"/>
-          </a:p>
-        </p:txBody>
-      </p:sp>
-      <p:sp>
-        <p:nvSpPr>
-          <p:cNvPr id="10" name="Espaço Reservado para o Número do Slide 5">
-            <a:extLst>
-              <a:ext uri="{FF2B5EF4-FFF2-40B4-BE49-F238E27FC236}">
-                <a16:creationId xmlns:a16="http://schemas.microsoft.com/office/drawing/2014/main" id="{4E797B30-1740-4A68-A40B-1D255EBC2F17}"/>
-              </a:ext>
-            </a:extLst>
-          </p:cNvPr>
-          <p:cNvSpPr>
-            <a:spLocks noGrp="1"/>
-          </p:cNvSpPr>
-          <p:nvPr>
-            <p:ph type="sldNum" sz="quarter" idx="12"/>
-          </p:nvPr>
-        </p:nvSpPr>
-        <p:spPr/>
-        <p:txBody>
-          <a:bodyPr rtlCol="0"/>
-          <a:lstStyle/>
-          <a:p>
-            <a:pPr rtl="0"/>
-            <a:fld id="{A65A5C87-DF58-40C8-B092-1DE63DB4547E}" type="slidenum">
-              <a:rPr lang="pt-BR" smtClean="0"/>
-              <a:pPr/>
-              <a:t>5</a:t>
-            </a:fld>
-            <a:endParaRPr lang="pt-BR" dirty="0"/>
           </a:p>
         </p:txBody>
       </p:sp>
       <p:pic>
         <p:nvPicPr>
-          <p:cNvPr id="12" name="Imagem 11">
-            <a:extLst>
-              <a:ext uri="{FF2B5EF4-FFF2-40B4-BE49-F238E27FC236}">
-                <a16:creationId xmlns:a16="http://schemas.microsoft.com/office/drawing/2014/main" id="{26031DC3-B94E-AE0F-EA7C-D46F7D8432F4}"/>
+          <p:cNvPr id="11" name="Imagem 10" descr="Forma&#10;&#10;Descrição gerada automaticamente com confiança baixa">
+            <a:extLst>
+              <a:ext uri="{FF2B5EF4-FFF2-40B4-BE49-F238E27FC236}">
+                <a16:creationId xmlns:a16="http://schemas.microsoft.com/office/drawing/2014/main" id="{47882265-9F0B-F7F2-FA27-2DE24F1EE7DC}"/>
               </a:ext>
             </a:extLst>
           </p:cNvPr>
@@ -10135,38 +10183,8 @@
         </p:blipFill>
         <p:spPr>
           <a:xfrm>
-            <a:off x="2590801" y="2239133"/>
-            <a:ext cx="8922328" cy="4380150"/>
-          </a:xfrm>
-          <a:prstGeom prst="rect">
-            <a:avLst/>
-          </a:prstGeom>
-        </p:spPr>
-      </p:pic>
-      <p:pic>
-        <p:nvPicPr>
-          <p:cNvPr id="14" name="Imagem 13" descr="Forma&#10;&#10;Descrição gerada automaticamente com confiança baixa">
-            <a:extLst>
-              <a:ext uri="{FF2B5EF4-FFF2-40B4-BE49-F238E27FC236}">
-                <a16:creationId xmlns:a16="http://schemas.microsoft.com/office/drawing/2014/main" id="{A54AFFEA-77B3-A762-32E1-CDF9AEDD1B38}"/>
-              </a:ext>
-            </a:extLst>
-          </p:cNvPr>
-          <p:cNvPicPr>
-            <a:picLocks noChangeAspect="1"/>
-          </p:cNvPicPr>
-          <p:nvPr/>
-        </p:nvPicPr>
-        <p:blipFill>
-          <a:blip r:embed="rId4"/>
-          <a:stretch>
-            <a:fillRect/>
-          </a:stretch>
-        </p:blipFill>
-        <p:spPr>
-          <a:xfrm>
-            <a:off x="893895" y="3390729"/>
-            <a:ext cx="2076958" cy="2076958"/>
+            <a:off x="8441495" y="1839204"/>
+            <a:ext cx="3179592" cy="3179592"/>
           </a:xfrm>
           <a:prstGeom prst="rect">
             <a:avLst/>
@@ -10176,7 +10194,7 @@
     </p:spTree>
     <p:extLst>
       <p:ext uri="{BB962C8B-B14F-4D97-AF65-F5344CB8AC3E}">
-        <p14:creationId xmlns:p14="http://schemas.microsoft.com/office/powerpoint/2010/main" val="832742899"/>
+        <p14:creationId xmlns:p14="http://schemas.microsoft.com/office/powerpoint/2010/main" val="2177544562"/>
       </p:ext>
     </p:extLst>
   </p:cSld>
@@ -10208,7 +10226,7 @@
           <p:cNvPr id="2" name="Título 1">
             <a:extLst>
               <a:ext uri="{FF2B5EF4-FFF2-40B4-BE49-F238E27FC236}">
-                <a16:creationId xmlns:a16="http://schemas.microsoft.com/office/drawing/2014/main" id="{03EEB919-4F65-4B5E-ADF3-272AD780E102}"/>
+                <a16:creationId xmlns:a16="http://schemas.microsoft.com/office/drawing/2014/main" id="{A9501C14-7F4D-4D43-AB31-14E1B4AA1C63}"/>
               </a:ext>
             </a:extLst>
           </p:cNvPr>
@@ -10221,53 +10239,72 @@
         </p:nvSpPr>
         <p:spPr/>
         <p:txBody>
-          <a:bodyPr rtlCol="0"/>
+          <a:bodyPr rtlCol="0">
+            <a:normAutofit/>
+          </a:bodyPr>
           <a:lstStyle/>
           <a:p>
             <a:pPr rtl="0"/>
             <a:r>
-              <a:rPr lang="pt-BR" sz="4800" dirty="0"/>
-              <a:t>Agradecimentos!</a:t>
-            </a:r>
-            <a:endParaRPr lang="pt-BR" dirty="0"/>
-          </a:p>
-        </p:txBody>
-      </p:sp>
-      <p:sp>
-        <p:nvSpPr>
-          <p:cNvPr id="3" name="Espaço Reservado para Texto 2">
-            <a:extLst>
-              <a:ext uri="{FF2B5EF4-FFF2-40B4-BE49-F238E27FC236}">
-                <a16:creationId xmlns:a16="http://schemas.microsoft.com/office/drawing/2014/main" id="{3FF48DDF-62CA-455C-A7CB-AB86D3378A86}"/>
-              </a:ext>
-            </a:extLst>
-          </p:cNvPr>
-          <p:cNvSpPr>
-            <a:spLocks noGrp="1"/>
-          </p:cNvSpPr>
-          <p:nvPr>
-            <p:ph type="body" idx="1"/>
-          </p:nvPr>
-        </p:nvSpPr>
+              <a:rPr lang="en-US" i="1" dirty="0"/>
+              <a:t>Planejamento e Documentação</a:t>
+            </a:r>
+            <a:endParaRPr lang="pt-BR" i="1" dirty="0"/>
+          </a:p>
+        </p:txBody>
+      </p:sp>
+      <p:pic>
+        <p:nvPicPr>
+          <p:cNvPr id="27" name="Espaço Reservado para Imagem 26" descr="anotações de post-it">
+            <a:extLst>
+              <a:ext uri="{FF2B5EF4-FFF2-40B4-BE49-F238E27FC236}">
+                <a16:creationId xmlns:a16="http://schemas.microsoft.com/office/drawing/2014/main" id="{778123A3-1887-4297-BB48-CD597C4677B3}"/>
+              </a:ext>
+            </a:extLst>
+          </p:cNvPr>
+          <p:cNvPicPr>
+            <a:picLocks noGrp="1" noChangeAspect="1"/>
+          </p:cNvPicPr>
+          <p:nvPr>
+            <p:ph type="pic" sz="quarter" idx="13"/>
+          </p:nvPr>
+        </p:nvPicPr>
+        <p:blipFill rotWithShape="1">
+          <a:blip r:embed="rId3"/>
+          <a:srcRect t="168" b="168"/>
+          <a:stretch/>
+        </p:blipFill>
         <p:spPr/>
-        <p:txBody>
-          <a:bodyPr rtlCol="0"/>
-          <a:lstStyle/>
-          <a:p>
-            <a:pPr rtl="0"/>
-            <a:r>
-              <a:rPr lang="pt-BR" sz="2000" dirty="0"/>
-              <a:t>OBRIGADO!</a:t>
-            </a:r>
-          </a:p>
-        </p:txBody>
-      </p:sp>
-      <p:sp>
-        <p:nvSpPr>
-          <p:cNvPr id="6" name="Espaço Reservado para o Número do Slide 5">
-            <a:extLst>
-              <a:ext uri="{FF2B5EF4-FFF2-40B4-BE49-F238E27FC236}">
-                <a16:creationId xmlns:a16="http://schemas.microsoft.com/office/drawing/2014/main" id="{701FBF44-1F57-4664-8847-9214C41B42E9}"/>
+      </p:pic>
+      <p:pic>
+        <p:nvPicPr>
+          <p:cNvPr id="18" name="Espaço Reservado para Imagem 17" descr="Mulher apontando para algo enquanto três pessoas olham">
+            <a:extLst>
+              <a:ext uri="{FF2B5EF4-FFF2-40B4-BE49-F238E27FC236}">
+                <a16:creationId xmlns:a16="http://schemas.microsoft.com/office/drawing/2014/main" id="{1A615CC8-9DF3-484C-8E7E-BA035F939002}"/>
+              </a:ext>
+            </a:extLst>
+          </p:cNvPr>
+          <p:cNvPicPr>
+            <a:picLocks noGrp="1" noChangeAspect="1"/>
+          </p:cNvPicPr>
+          <p:nvPr>
+            <p:ph type="pic" sz="quarter" idx="14"/>
+          </p:nvPr>
+        </p:nvPicPr>
+        <p:blipFill rotWithShape="1">
+          <a:blip r:embed="rId4"/>
+          <a:srcRect l="2" r="2"/>
+          <a:stretch/>
+        </p:blipFill>
+        <p:spPr/>
+      </p:pic>
+      <p:sp>
+        <p:nvSpPr>
+          <p:cNvPr id="4" name="Espaço Reservado para o Número do Slide 3">
+            <a:extLst>
+              <a:ext uri="{FF2B5EF4-FFF2-40B4-BE49-F238E27FC236}">
+                <a16:creationId xmlns:a16="http://schemas.microsoft.com/office/drawing/2014/main" id="{30C59246-61F9-4344-994B-CAC75B954C24}"/>
               </a:ext>
             </a:extLst>
           </p:cNvPr>
@@ -10286,7 +10323,217 @@
             <a:pPr rtl="0"/>
             <a:fld id="{A65A5C87-DF58-40C8-B092-1DE63DB4547E}" type="slidenum">
               <a:rPr lang="pt-BR" smtClean="0"/>
+              <a:pPr rtl="0"/>
               <a:t>6</a:t>
+            </a:fld>
+            <a:endParaRPr lang="pt-BR"/>
+          </a:p>
+        </p:txBody>
+      </p:sp>
+      <p:pic>
+        <p:nvPicPr>
+          <p:cNvPr id="6" name="Imagem 5" descr="Desenho de homem com barba&#10;&#10;Descrição gerada automaticamente com confiança baixa">
+            <a:extLst>
+              <a:ext uri="{FF2B5EF4-FFF2-40B4-BE49-F238E27FC236}">
+                <a16:creationId xmlns:a16="http://schemas.microsoft.com/office/drawing/2014/main" id="{1152A16A-9D1F-4B86-41E3-7F47B0E9E82A}"/>
+              </a:ext>
+            </a:extLst>
+          </p:cNvPr>
+          <p:cNvPicPr>
+            <a:picLocks noChangeAspect="1"/>
+          </p:cNvPicPr>
+          <p:nvPr/>
+        </p:nvPicPr>
+        <p:blipFill>
+          <a:blip r:embed="rId5"/>
+          <a:stretch>
+            <a:fillRect/>
+          </a:stretch>
+        </p:blipFill>
+        <p:spPr>
+          <a:xfrm>
+            <a:off x="7680960" y="-1634075"/>
+            <a:ext cx="4563410" cy="8597179"/>
+          </a:xfrm>
+          <a:prstGeom prst="rect">
+            <a:avLst/>
+          </a:prstGeom>
+        </p:spPr>
+      </p:pic>
+      <p:pic>
+        <p:nvPicPr>
+          <p:cNvPr id="14" name="Imagem 13">
+            <a:extLst>
+              <a:ext uri="{FF2B5EF4-FFF2-40B4-BE49-F238E27FC236}">
+                <a16:creationId xmlns:a16="http://schemas.microsoft.com/office/drawing/2014/main" id="{9C2CD4DE-59F0-85BD-88D6-2F96C8727669}"/>
+              </a:ext>
+            </a:extLst>
+          </p:cNvPr>
+          <p:cNvPicPr>
+            <a:picLocks noChangeAspect="1"/>
+          </p:cNvPicPr>
+          <p:nvPr/>
+        </p:nvPicPr>
+        <p:blipFill>
+          <a:blip r:embed="rId6"/>
+          <a:stretch>
+            <a:fillRect/>
+          </a:stretch>
+        </p:blipFill>
+        <p:spPr>
+          <a:xfrm>
+            <a:off x="612648" y="3121081"/>
+            <a:ext cx="5034551" cy="3600394"/>
+          </a:xfrm>
+          <a:prstGeom prst="rect">
+            <a:avLst/>
+          </a:prstGeom>
+        </p:spPr>
+      </p:pic>
+      <p:pic>
+        <p:nvPicPr>
+          <p:cNvPr id="10" name="Imagem 9" descr="Ícone&#10;&#10;Descrição gerada automaticamente">
+            <a:extLst>
+              <a:ext uri="{FF2B5EF4-FFF2-40B4-BE49-F238E27FC236}">
+                <a16:creationId xmlns:a16="http://schemas.microsoft.com/office/drawing/2014/main" id="{CE7DE10F-C198-B051-2974-E0766F9F76A9}"/>
+              </a:ext>
+            </a:extLst>
+          </p:cNvPr>
+          <p:cNvPicPr>
+            <a:picLocks noChangeAspect="1"/>
+          </p:cNvPicPr>
+          <p:nvPr/>
+        </p:nvPicPr>
+        <p:blipFill>
+          <a:blip r:embed="rId7"/>
+          <a:stretch>
+            <a:fillRect/>
+          </a:stretch>
+        </p:blipFill>
+        <p:spPr>
+          <a:xfrm>
+            <a:off x="4858989" y="3824010"/>
+            <a:ext cx="2026443" cy="2026443"/>
+          </a:xfrm>
+          <a:prstGeom prst="rect">
+            <a:avLst/>
+          </a:prstGeom>
+        </p:spPr>
+      </p:pic>
+    </p:spTree>
+    <p:extLst>
+      <p:ext uri="{BB962C8B-B14F-4D97-AF65-F5344CB8AC3E}">
+        <p14:creationId xmlns:p14="http://schemas.microsoft.com/office/powerpoint/2010/main" val="1471384650"/>
+      </p:ext>
+    </p:extLst>
+  </p:cSld>
+  <p:clrMapOvr>
+    <a:masterClrMapping/>
+  </p:clrMapOvr>
+</p:sld>
+</file>
+
+<file path=ppt/slides/slide7.xml><?xml version="1.0" encoding="utf-8"?>
+<p:sld xmlns:a="http://schemas.openxmlformats.org/drawingml/2006/main" xmlns:r="http://schemas.openxmlformats.org/officeDocument/2006/relationships" xmlns:p="http://schemas.openxmlformats.org/presentationml/2006/main">
+  <p:cSld>
+    <p:spTree>
+      <p:nvGrpSpPr>
+        <p:cNvPr id="1" name=""/>
+        <p:cNvGrpSpPr/>
+        <p:nvPr/>
+      </p:nvGrpSpPr>
+      <p:grpSpPr>
+        <a:xfrm>
+          <a:off x="0" y="0"/>
+          <a:ext cx="0" cy="0"/>
+          <a:chOff x="0" y="0"/>
+          <a:chExt cx="0" cy="0"/>
+        </a:xfrm>
+      </p:grpSpPr>
+      <p:sp>
+        <p:nvSpPr>
+          <p:cNvPr id="2" name="Título 1">
+            <a:extLst>
+              <a:ext uri="{FF2B5EF4-FFF2-40B4-BE49-F238E27FC236}">
+                <a16:creationId xmlns:a16="http://schemas.microsoft.com/office/drawing/2014/main" id="{03EEB919-4F65-4B5E-ADF3-272AD780E102}"/>
+              </a:ext>
+            </a:extLst>
+          </p:cNvPr>
+          <p:cNvSpPr>
+            <a:spLocks noGrp="1"/>
+          </p:cNvSpPr>
+          <p:nvPr>
+            <p:ph type="title"/>
+          </p:nvPr>
+        </p:nvSpPr>
+        <p:spPr/>
+        <p:txBody>
+          <a:bodyPr rtlCol="0"/>
+          <a:lstStyle/>
+          <a:p>
+            <a:pPr rtl="0"/>
+            <a:r>
+              <a:rPr lang="pt-BR" sz="4800" dirty="0"/>
+              <a:t>Agradecimentos!</a:t>
+            </a:r>
+            <a:endParaRPr lang="pt-BR" dirty="0"/>
+          </a:p>
+        </p:txBody>
+      </p:sp>
+      <p:sp>
+        <p:nvSpPr>
+          <p:cNvPr id="3" name="Espaço Reservado para Texto 2">
+            <a:extLst>
+              <a:ext uri="{FF2B5EF4-FFF2-40B4-BE49-F238E27FC236}">
+                <a16:creationId xmlns:a16="http://schemas.microsoft.com/office/drawing/2014/main" id="{3FF48DDF-62CA-455C-A7CB-AB86D3378A86}"/>
+              </a:ext>
+            </a:extLst>
+          </p:cNvPr>
+          <p:cNvSpPr>
+            <a:spLocks noGrp="1"/>
+          </p:cNvSpPr>
+          <p:nvPr>
+            <p:ph type="body" idx="1"/>
+          </p:nvPr>
+        </p:nvSpPr>
+        <p:spPr/>
+        <p:txBody>
+          <a:bodyPr rtlCol="0"/>
+          <a:lstStyle/>
+          <a:p>
+            <a:pPr rtl="0"/>
+            <a:r>
+              <a:rPr lang="pt-BR" sz="2000" dirty="0"/>
+              <a:t>OBRIGADO!</a:t>
+            </a:r>
+          </a:p>
+        </p:txBody>
+      </p:sp>
+      <p:sp>
+        <p:nvSpPr>
+          <p:cNvPr id="6" name="Espaço Reservado para o Número do Slide 5">
+            <a:extLst>
+              <a:ext uri="{FF2B5EF4-FFF2-40B4-BE49-F238E27FC236}">
+                <a16:creationId xmlns:a16="http://schemas.microsoft.com/office/drawing/2014/main" id="{701FBF44-1F57-4664-8847-9214C41B42E9}"/>
+              </a:ext>
+            </a:extLst>
+          </p:cNvPr>
+          <p:cNvSpPr>
+            <a:spLocks noGrp="1"/>
+          </p:cNvSpPr>
+          <p:nvPr>
+            <p:ph type="sldNum" sz="quarter" idx="12"/>
+          </p:nvPr>
+        </p:nvSpPr>
+        <p:spPr/>
+        <p:txBody>
+          <a:bodyPr rtlCol="0"/>
+          <a:lstStyle/>
+          <a:p>
+            <a:pPr rtl="0"/>
+            <a:fld id="{A65A5C87-DF58-40C8-B092-1DE63DB4547E}" type="slidenum">
+              <a:rPr lang="pt-BR" smtClean="0"/>
+              <a:t>7</a:t>
             </a:fld>
             <a:endParaRPr lang="pt-BR"/>
           </a:p>
@@ -11097,15 +11344,6 @@
 </file>
 
 <file path=customXml/item1.xml><?xml version="1.0" encoding="utf-8"?>
-<p:properties xmlns:p="http://schemas.microsoft.com/office/2006/metadata/properties" xmlns:xsi="http://www.w3.org/2001/XMLSchema-instance" xmlns:pc="http://schemas.microsoft.com/office/infopath/2007/PartnerControls">
-  <documentManagement>
-    <Status xmlns="71af3243-3dd4-4a8d-8c0d-dd76da1f02a5">Not started</Status>
-    <MediaServiceKeyPoints xmlns="71af3243-3dd4-4a8d-8c0d-dd76da1f02a5" xsi:nil="true"/>
-  </documentManagement>
-</p:properties>
-</file>
-
-<file path=customXml/item2.xml><?xml version="1.0" encoding="utf-8"?>
 <ct:contentTypeSchema xmlns:ct="http://schemas.microsoft.com/office/2006/metadata/contentType" xmlns:ma="http://schemas.microsoft.com/office/2006/metadata/properties/metaAttributes" ct:_="" ma:_="" ma:contentTypeName="Document" ma:contentTypeID="0x01010079F111ED35F8CC479449609E8A0923A6" ma:contentTypeVersion="12" ma:contentTypeDescription="Create a new document." ma:contentTypeScope="" ma:versionID="426e97fa315356fffbdcd9876fe988c2">
   <xsd:schema xmlns:xsd="http://www.w3.org/2001/XMLSchema" xmlns:xs="http://www.w3.org/2001/XMLSchema" xmlns:p="http://schemas.microsoft.com/office/2006/metadata/properties" xmlns:ns2="71af3243-3dd4-4a8d-8c0d-dd76da1f02a5" xmlns:ns3="16c05727-aa75-4e4a-9b5f-8a80a1165891" targetNamespace="http://schemas.microsoft.com/office/2006/metadata/properties" ma:root="true" ma:fieldsID="14b8f0def80e6d70ce3def20c90759ae" ns2:_="" ns3:_="">
     <xsd:import namespace="71af3243-3dd4-4a8d-8c0d-dd76da1f02a5"/>
@@ -11326,6 +11564,15 @@
 </ct:contentTypeSchema>
 </file>
 
+<file path=customXml/item2.xml><?xml version="1.0" encoding="utf-8"?>
+<p:properties xmlns:p="http://schemas.microsoft.com/office/2006/metadata/properties" xmlns:xsi="http://www.w3.org/2001/XMLSchema-instance" xmlns:pc="http://schemas.microsoft.com/office/infopath/2007/PartnerControls">
+  <documentManagement>
+    <Status xmlns="71af3243-3dd4-4a8d-8c0d-dd76da1f02a5">Not started</Status>
+    <MediaServiceKeyPoints xmlns="71af3243-3dd4-4a8d-8c0d-dd76da1f02a5" xsi:nil="true"/>
+  </documentManagement>
+</p:properties>
+</file>
+
 <file path=customXml/item3.xml><?xml version="1.0" encoding="utf-8"?>
 <?mso-contentType ?>
 <FormTemplates xmlns="http://schemas.microsoft.com/sharepoint/v3/contenttype/forms">
@@ -11336,16 +11583,6 @@
 </file>
 
 <file path=customXml/itemProps1.xml><?xml version="1.0" encoding="utf-8"?>
-<ds:datastoreItem xmlns:ds="http://schemas.openxmlformats.org/officeDocument/2006/customXml" ds:itemID="{290D7697-8E53-4EA8-8CBB-9C19575257BF}">
-  <ds:schemaRefs>
-    <ds:schemaRef ds:uri="http://schemas.microsoft.com/office/2006/metadata/properties"/>
-    <ds:schemaRef ds:uri="http://schemas.microsoft.com/office/infopath/2007/PartnerControls"/>
-    <ds:schemaRef ds:uri="71af3243-3dd4-4a8d-8c0d-dd76da1f02a5"/>
-  </ds:schemaRefs>
-</ds:datastoreItem>
-</file>
-
-<file path=customXml/itemProps2.xml><?xml version="1.0" encoding="utf-8"?>
 <ds:datastoreItem xmlns:ds="http://schemas.openxmlformats.org/officeDocument/2006/customXml" ds:itemID="{1DF0A252-5923-47A2-A53A-F9BF72908919}">
   <ds:schemaRefs>
     <ds:schemaRef ds:uri="http://schemas.microsoft.com/office/2006/metadata/contentType"/>
@@ -11364,6 +11601,16 @@
 </ds:datastoreItem>
 </file>
 
+<file path=customXml/itemProps2.xml><?xml version="1.0" encoding="utf-8"?>
+<ds:datastoreItem xmlns:ds="http://schemas.openxmlformats.org/officeDocument/2006/customXml" ds:itemID="{290D7697-8E53-4EA8-8CBB-9C19575257BF}">
+  <ds:schemaRefs>
+    <ds:schemaRef ds:uri="http://schemas.microsoft.com/office/2006/metadata/properties"/>
+    <ds:schemaRef ds:uri="http://schemas.microsoft.com/office/infopath/2007/PartnerControls"/>
+    <ds:schemaRef ds:uri="71af3243-3dd4-4a8d-8c0d-dd76da1f02a5"/>
+  </ds:schemaRefs>
+</ds:datastoreItem>
+</file>
+
 <file path=customXml/itemProps3.xml><?xml version="1.0" encoding="utf-8"?>
 <ds:datastoreItem xmlns:ds="http://schemas.openxmlformats.org/officeDocument/2006/customXml" ds:itemID="{B927DC71-2909-427C-BDB0-3E47E2101517}">
   <ds:schemaRefs>
